--- a/docs/IntroductionToEA.pptx
+++ b/docs/IntroductionToEA.pptx
@@ -164,6 +164,46 @@
       </a:defRPr>
     </a:lvl9pPr>
   </p:defaultTextStyle>
+  <p:extLst>
+    <p:ext uri="{EFAFB233-063F-42B5-8137-9DF3F51BA10A}">
+      <p15:sldGuideLst xmlns:p15="http://schemas.microsoft.com/office/powerpoint/2012/main">
+        <p15:guide id="1" orient="horz" pos="1207">
+          <p15:clr>
+            <a:srgbClr val="A4A3A4"/>
+          </p15:clr>
+        </p15:guide>
+        <p15:guide id="2" orient="horz" pos="3007">
+          <p15:clr>
+            <a:srgbClr val="A4A3A4"/>
+          </p15:clr>
+        </p15:guide>
+        <p15:guide id="3" orient="horz" pos="437">
+          <p15:clr>
+            <a:srgbClr val="A4A3A4"/>
+          </p15:clr>
+        </p15:guide>
+        <p15:guide id="4" pos="369">
+          <p15:clr>
+            <a:srgbClr val="A4A3A4"/>
+          </p15:clr>
+        </p15:guide>
+      </p15:sldGuideLst>
+    </p:ext>
+    <p:ext uri="{2D200454-40CA-4A62-9FC3-DE9A4176ACB9}">
+      <p15:notesGuideLst xmlns:p15="http://schemas.microsoft.com/office/powerpoint/2012/main">
+        <p15:guide id="1" orient="horz" pos="2905">
+          <p15:clr>
+            <a:srgbClr val="A4A3A4"/>
+          </p15:clr>
+        </p15:guide>
+        <p15:guide id="2" pos="2206">
+          <p15:clr>
+            <a:srgbClr val="A4A3A4"/>
+          </p15:clr>
+        </p15:guide>
+      </p15:notesGuideLst>
+    </p:ext>
+  </p:extLst>
 </p:presentation>
 </file>
 
@@ -3552,24 +3592,13 @@
         <p:spPr>
           <a:xfrm>
             <a:off x="425450" y="4240213"/>
-            <a:ext cx="8293100" cy="615553"/>
+            <a:ext cx="8293100" cy="353943"/>
           </a:xfrm>
         </p:spPr>
         <p:txBody>
           <a:bodyPr/>
           <a:lstStyle/>
           <a:p>
-            <a:r>
-              <a:rPr lang="en-US" dirty="0" smtClean="0"/>
-              <a:t>Rob Byrd</a:t>
-            </a:r>
-            <a:br>
-              <a:rPr lang="en-US" dirty="0" smtClean="0"/>
-            </a:br>
-            <a:r>
-              <a:rPr lang="en-US" dirty="0" smtClean="0"/>
-              <a:t>rob.byrd@austintexas.gov</a:t>
-            </a:r>
             <a:endParaRPr lang="en-US" dirty="0"/>
           </a:p>
         </p:txBody>
@@ -8096,19 +8125,7 @@
           <a:p>
             <a:r>
               <a:rPr lang="en-US" dirty="0" smtClean="0"/>
-              <a:t>Advises </a:t>
-            </a:r>
-            <a:r>
-              <a:rPr lang="en-US" dirty="0" smtClean="0"/>
-              <a:t>the IT environment </a:t>
-            </a:r>
-            <a:r>
-              <a:rPr lang="en-US" dirty="0" smtClean="0"/>
-              <a:t>on how to </a:t>
-            </a:r>
-            <a:r>
-              <a:rPr lang="en-US" dirty="0" smtClean="0"/>
-              <a:t>meet the key business demand</a:t>
+              <a:t>Advises the IT environment on how to meet the key business demand</a:t>
             </a:r>
           </a:p>
           <a:p>
@@ -8900,15 +8917,7 @@
           <a:p>
             <a:r>
               <a:rPr lang="en-US" dirty="0" smtClean="0"/>
-              <a:t>The architect </a:t>
-            </a:r>
-            <a:r>
-              <a:rPr lang="en-US" dirty="0" smtClean="0"/>
-              <a:t>advises </a:t>
-            </a:r>
-            <a:r>
-              <a:rPr lang="en-US" dirty="0" smtClean="0"/>
-              <a:t>and monitors the development team’s efficient, intelligent use of resources</a:t>
+              <a:t>The architect advises and monitors the development team’s efficient, intelligent use of resources</a:t>
             </a:r>
           </a:p>
           <a:p>
@@ -10001,27 +10010,7 @@
                 <a:latin typeface="Arial" charset="0"/>
                 <a:cs typeface="Arial" charset="0"/>
               </a:rPr>
-              <a:t>EA is a Major Paradigm </a:t>
-            </a:r>
-            <a:r>
-              <a:rPr kumimoji="0" lang="en-US" sz="2800" b="1" i="0" u="none" strike="noStrike" cap="none" normalizeH="0" baseline="0" dirty="0" smtClean="0">
-                <a:ln>
-                  <a:noFill/>
-                </a:ln>
-                <a:solidFill>
-                  <a:srgbClr val="C00000"/>
-                </a:solidFill>
-                <a:effectLst>
-                  <a:outerShdw blurRad="38100" dist="38100" dir="2700000" algn="tl">
-                    <a:srgbClr val="000000">
-                      <a:alpha val="43137"/>
-                    </a:srgbClr>
-                  </a:outerShdw>
-                </a:effectLst>
-                <a:latin typeface="Arial" charset="0"/>
-                <a:cs typeface="Arial" charset="0"/>
-              </a:rPr>
-              <a:t>Shift!</a:t>
+              <a:t>EA is a Major Paradigm Shift!</a:t>
             </a:r>
           </a:p>
         </p:txBody>
@@ -10437,25 +10426,8 @@
             </a:r>
             <a:r>
               <a:rPr lang="en-US" sz="2000" dirty="0" smtClean="0"/>
-              <a:t> using </a:t>
-            </a:r>
-            <a:r>
-              <a:rPr lang="en-US" sz="2000" dirty="0" smtClean="0"/>
-              <a:t>a industry common language (</a:t>
-            </a:r>
-            <a:r>
-              <a:rPr lang="en-US" sz="2000" dirty="0" smtClean="0"/>
-              <a:t>Unified Modeling Language), </a:t>
-            </a:r>
-            <a:r>
-              <a:rPr lang="en-US" sz="2000" dirty="0" smtClean="0"/>
-              <a:t>provides integration and understanding of reusable opportunities, and provides the ability to </a:t>
-            </a:r>
-            <a:r>
-              <a:rPr lang="en-US" sz="2000" dirty="0" smtClean="0"/>
-              <a:t>identify common goals</a:t>
-            </a:r>
-            <a:endParaRPr lang="en-US" sz="2000" dirty="0" smtClean="0"/>
+              <a:t> using a industry common language (Unified Modeling Language), provides integration and understanding of reusable opportunities, and provides the ability to identify common goals</a:t>
+            </a:r>
           </a:p>
           <a:p>
             <a:r>
@@ -10596,24 +10568,15 @@
             <a:pPr lvl="1"/>
             <a:r>
               <a:rPr lang="en-US" dirty="0" smtClean="0"/>
-              <a:t>P</a:t>
-            </a:r>
+              <a:t>Problems have reached a crisis point</a:t>
+            </a:r>
+          </a:p>
+          <a:p>
+            <a:pPr lvl="1"/>
             <a:r>
               <a:rPr lang="en-US" dirty="0" smtClean="0"/>
-              <a:t>roblems have reached a crisis point</a:t>
-            </a:r>
-          </a:p>
-          <a:p>
-            <a:pPr lvl="1"/>
-            <a:r>
-              <a:rPr lang="en-US" dirty="0" smtClean="0"/>
-              <a:t>C</a:t>
-            </a:r>
-            <a:r>
-              <a:rPr lang="en-US" dirty="0" smtClean="0"/>
-              <a:t>ost and complexity of IT systems have exponentially increased, while the chances of deriving real value from those systems have decreased</a:t>
-            </a:r>
-            <a:endParaRPr lang="en-US" dirty="0" smtClean="0"/>
+              <a:t>Cost and complexity of IT systems have exponentially increased, while the chances of deriving real value from those systems have decreased</a:t>
+            </a:r>
           </a:p>
         </p:txBody>
       </p:sp>
@@ -12103,17 +12066,8 @@
           <a:p>
             <a:r>
               <a:rPr lang="en-US" dirty="0" smtClean="0"/>
-              <a:t>An </a:t>
-            </a:r>
-            <a:r>
-              <a:rPr lang="en-US" dirty="0" smtClean="0"/>
-              <a:t>instrument to provide </a:t>
-            </a:r>
-            <a:r>
-              <a:rPr lang="en-US" dirty="0" smtClean="0"/>
-              <a:t>project momentum</a:t>
-            </a:r>
-            <a:endParaRPr lang="en-US" dirty="0" smtClean="0"/>
+              <a:t>An instrument to provide project momentum</a:t>
+            </a:r>
           </a:p>
           <a:p>
             <a:r>
@@ -12136,38 +12090,21 @@
           <a:p>
             <a:r>
               <a:rPr lang="en-US" dirty="0" smtClean="0"/>
-              <a:t>Develops </a:t>
-            </a:r>
+              <a:t>Develops business requirements in an understandable way</a:t>
+            </a:r>
+          </a:p>
+          <a:p>
+            <a:pPr lvl="1"/>
             <a:r>
               <a:rPr lang="en-US" dirty="0" smtClean="0"/>
-              <a:t>business requirements in an understandable way</a:t>
-            </a:r>
-          </a:p>
-          <a:p>
-            <a:pPr lvl="1"/>
+              <a:t>Differing opinions on how to collect good requirements – many folks reaching for the steering wheel!</a:t>
+            </a:r>
+          </a:p>
+          <a:p>
             <a:r>
               <a:rPr lang="en-US" dirty="0" smtClean="0"/>
-              <a:t>Differing </a:t>
-            </a:r>
-            <a:r>
-              <a:rPr lang="en-US" dirty="0" smtClean="0"/>
-              <a:t>opinions on how to collect good requirements – many folks reaching for the steering wheel!</a:t>
-            </a:r>
-          </a:p>
-          <a:p>
-            <a:r>
-              <a:rPr lang="en-US" dirty="0" smtClean="0"/>
-              <a:t>Deals </a:t>
-            </a:r>
-            <a:r>
-              <a:rPr lang="en-US" dirty="0" smtClean="0"/>
-              <a:t>with </a:t>
-            </a:r>
-            <a:r>
-              <a:rPr lang="en-US" dirty="0" smtClean="0"/>
-              <a:t>complexity – develops strategy to task</a:t>
-            </a:r>
-            <a:endParaRPr lang="en-US" dirty="0" smtClean="0"/>
+              <a:t>Deals with complexity – develops strategy to task</a:t>
+            </a:r>
           </a:p>
           <a:p>
             <a:r>
@@ -12184,15 +12121,7 @@
             </a:r>
             <a:r>
               <a:rPr lang="en-US" dirty="0" smtClean="0"/>
-              <a:t> aligned with </a:t>
-            </a:r>
-            <a:r>
-              <a:rPr lang="en-US" dirty="0" smtClean="0"/>
-              <a:t>a business </a:t>
-            </a:r>
-            <a:r>
-              <a:rPr lang="en-US" dirty="0" smtClean="0"/>
-              <a:t>model to achieve business results</a:t>
+              <a:t> aligned with a business model to achieve business results</a:t>
             </a:r>
             <a:endParaRPr lang="en-US" dirty="0"/>
           </a:p>
